--- a/docs/diagrams/HighLevelSequenceDiagrams.pptx
+++ b/docs/diagrams/HighLevelSequenceDiagrams.pptx
@@ -107,6 +107,22 @@
       </a:defRPr>
     </a:lvl9pPr>
   </p:defaultTextStyle>
+  <p:extLst>
+    <p:ext uri="{EFAFB233-063F-42B5-8137-9DF3F51BA10A}">
+      <p15:sldGuideLst xmlns:p15="http://schemas.microsoft.com/office/powerpoint/2012/main">
+        <p15:guide id="1" orient="horz" pos="1488">
+          <p15:clr>
+            <a:srgbClr val="A4A3A4"/>
+          </p15:clr>
+        </p15:guide>
+        <p15:guide id="2" pos="2880">
+          <p15:clr>
+            <a:srgbClr val="A4A3A4"/>
+          </p15:clr>
+        </p15:guide>
+      </p15:sldGuideLst>
+    </p:ext>
+  </p:extLst>
 </p:presentation>
 </file>
 
@@ -192,7 +208,7 @@
           <a:p>
             <a:fld id="{F5CC4B3F-88C1-4FFA-B1B6-F41C21DC6924}" type="datetimeFigureOut">
               <a:rPr lang="en-US" smtClean="0"/>
-              <a:t>10/16/2016</a:t>
+              <a:t>11/13/17</a:t>
             </a:fld>
             <a:endParaRPr lang="en-US"/>
           </a:p>
@@ -641,7 +657,7 @@
           <a:p>
             <a:fld id="{78C97017-6FC3-485B-9764-EAC9E56C1D49}" type="datetimeFigureOut">
               <a:rPr lang="en-US" smtClean="0"/>
-              <a:t>10/16/2016</a:t>
+              <a:t>11/13/17</a:t>
             </a:fld>
             <a:endParaRPr lang="en-US"/>
           </a:p>
@@ -811,7 +827,7 @@
           <a:p>
             <a:fld id="{78C97017-6FC3-485B-9764-EAC9E56C1D49}" type="datetimeFigureOut">
               <a:rPr lang="en-US" smtClean="0"/>
-              <a:t>10/16/2016</a:t>
+              <a:t>11/13/17</a:t>
             </a:fld>
             <a:endParaRPr lang="en-US"/>
           </a:p>
@@ -991,7 +1007,7 @@
           <a:p>
             <a:fld id="{78C97017-6FC3-485B-9764-EAC9E56C1D49}" type="datetimeFigureOut">
               <a:rPr lang="en-US" smtClean="0"/>
-              <a:t>10/16/2016</a:t>
+              <a:t>11/13/17</a:t>
             </a:fld>
             <a:endParaRPr lang="en-US"/>
           </a:p>
@@ -1161,7 +1177,7 @@
           <a:p>
             <a:fld id="{78C97017-6FC3-485B-9764-EAC9E56C1D49}" type="datetimeFigureOut">
               <a:rPr lang="en-US" smtClean="0"/>
-              <a:t>10/16/2016</a:t>
+              <a:t>11/13/17</a:t>
             </a:fld>
             <a:endParaRPr lang="en-US"/>
           </a:p>
@@ -1407,7 +1423,7 @@
           <a:p>
             <a:fld id="{78C97017-6FC3-485B-9764-EAC9E56C1D49}" type="datetimeFigureOut">
               <a:rPr lang="en-US" smtClean="0"/>
-              <a:t>10/16/2016</a:t>
+              <a:t>11/13/17</a:t>
             </a:fld>
             <a:endParaRPr lang="en-US"/>
           </a:p>
@@ -1695,7 +1711,7 @@
           <a:p>
             <a:fld id="{78C97017-6FC3-485B-9764-EAC9E56C1D49}" type="datetimeFigureOut">
               <a:rPr lang="en-US" smtClean="0"/>
-              <a:t>10/16/2016</a:t>
+              <a:t>11/13/17</a:t>
             </a:fld>
             <a:endParaRPr lang="en-US"/>
           </a:p>
@@ -2117,7 +2133,7 @@
           <a:p>
             <a:fld id="{78C97017-6FC3-485B-9764-EAC9E56C1D49}" type="datetimeFigureOut">
               <a:rPr lang="en-US" smtClean="0"/>
-              <a:t>10/16/2016</a:t>
+              <a:t>11/13/17</a:t>
             </a:fld>
             <a:endParaRPr lang="en-US"/>
           </a:p>
@@ -2235,7 +2251,7 @@
           <a:p>
             <a:fld id="{78C97017-6FC3-485B-9764-EAC9E56C1D49}" type="datetimeFigureOut">
               <a:rPr lang="en-US" smtClean="0"/>
-              <a:t>10/16/2016</a:t>
+              <a:t>11/13/17</a:t>
             </a:fld>
             <a:endParaRPr lang="en-US"/>
           </a:p>
@@ -2330,7 +2346,7 @@
           <a:p>
             <a:fld id="{78C97017-6FC3-485B-9764-EAC9E56C1D49}" type="datetimeFigureOut">
               <a:rPr lang="en-US" smtClean="0"/>
-              <a:t>10/16/2016</a:t>
+              <a:t>11/13/17</a:t>
             </a:fld>
             <a:endParaRPr lang="en-US"/>
           </a:p>
@@ -2607,7 +2623,7 @@
           <a:p>
             <a:fld id="{78C97017-6FC3-485B-9764-EAC9E56C1D49}" type="datetimeFigureOut">
               <a:rPr lang="en-US" smtClean="0"/>
-              <a:t>10/16/2016</a:t>
+              <a:t>11/13/17</a:t>
             </a:fld>
             <a:endParaRPr lang="en-US"/>
           </a:p>
@@ -2860,7 +2876,7 @@
           <a:p>
             <a:fld id="{78C97017-6FC3-485B-9764-EAC9E56C1D49}" type="datetimeFigureOut">
               <a:rPr lang="en-US" smtClean="0"/>
-              <a:t>10/16/2016</a:t>
+              <a:t>11/13/17</a:t>
             </a:fld>
             <a:endParaRPr lang="en-US"/>
           </a:p>
@@ -3073,7 +3089,7 @@
           <a:p>
             <a:fld id="{78C97017-6FC3-485B-9764-EAC9E56C1D49}" type="datetimeFigureOut">
               <a:rPr lang="en-US" smtClean="0"/>
-              <a:t>10/16/2016</a:t>
+              <a:t>11/13/17</a:t>
             </a:fld>
             <a:endParaRPr lang="en-US"/>
           </a:p>
@@ -4745,69 +4761,6 @@
           </a:fontRef>
         </p:style>
       </p:cxnSp>
-      <p:sp>
-        <p:nvSpPr>
-          <p:cNvPr id="53" name="Rectangle 62"/>
-          <p:cNvSpPr/>
-          <p:nvPr/>
-        </p:nvSpPr>
-        <p:spPr>
-          <a:xfrm>
-            <a:off x="7370178" y="4278322"/>
-            <a:ext cx="1093635" cy="346760"/>
-          </a:xfrm>
-          <a:prstGeom prst="rect">
-            <a:avLst/>
-          </a:prstGeom>
-          <a:solidFill>
-            <a:schemeClr val="accent6">
-              <a:lumMod val="75000"/>
-            </a:schemeClr>
-          </a:solidFill>
-          <a:ln w="19050">
-            <a:solidFill>
-              <a:schemeClr val="accent6">
-                <a:lumMod val="75000"/>
-              </a:schemeClr>
-            </a:solidFill>
-          </a:ln>
-          <a:effectLst/>
-        </p:spPr>
-        <p:style>
-          <a:lnRef idx="1">
-            <a:schemeClr val="accent2"/>
-          </a:lnRef>
-          <a:fillRef idx="2">
-            <a:schemeClr val="accent2"/>
-          </a:fillRef>
-          <a:effectRef idx="1">
-            <a:schemeClr val="accent2"/>
-          </a:effectRef>
-          <a:fontRef idx="minor">
-            <a:schemeClr val="dk1"/>
-          </a:fontRef>
-        </p:style>
-        <p:txBody>
-          <a:bodyPr rtlCol="0" anchor="ctr"/>
-          <a:lstStyle/>
-          <a:p>
-            <a:pPr algn="ctr"/>
-            <a:r>
-              <a:rPr lang="en-US" sz="1600" dirty="0" smtClean="0">
-                <a:solidFill>
-                  <a:schemeClr val="bg1"/>
-                </a:solidFill>
-              </a:rPr>
-              <a:t>:Storage</a:t>
-            </a:r>
-            <a:endParaRPr lang="en-SG" sz="1600" dirty="0">
-              <a:solidFill>
-                <a:schemeClr val="bg1"/>
-              </a:solidFill>
-            </a:endParaRPr>
-          </a:p>
-        </p:txBody>
-      </p:sp>
       <p:cxnSp>
         <p:nvCxnSpPr>
           <p:cNvPr id="54" name="Straight Connector 53"/>
@@ -4910,8 +4863,8 @@
         </p:nvSpPr>
         <p:spPr>
           <a:xfrm>
-            <a:off x="1810094" y="4797674"/>
-            <a:ext cx="2716635" cy="215444"/>
+            <a:off x="1846327" y="5102056"/>
+            <a:ext cx="2108081" cy="215444"/>
           </a:xfrm>
           <a:prstGeom prst="rect">
             <a:avLst/>
@@ -4924,6 +4877,16 @@
           </a:bodyPr>
           <a:lstStyle/>
           <a:p>
+            <a:r>
+              <a:rPr lang="en-US" sz="1400" dirty="0" err="1" smtClean="0">
+                <a:solidFill>
+                  <a:schemeClr val="accent5">
+                    <a:lumMod val="75000"/>
+                  </a:schemeClr>
+                </a:solidFill>
+              </a:rPr>
+              <a:t>handleThemeMenuClicked</a:t>
+            </a:r>
             <a:r>
               <a:rPr lang="en-US" sz="1400" dirty="0" smtClean="0">
                 <a:solidFill>
@@ -4932,27 +4895,7 @@
                   </a:schemeClr>
                 </a:solidFill>
               </a:rPr>
-              <a:t>post(</a:t>
-            </a:r>
-            <a:r>
-              <a:rPr lang="en-US" sz="1400" dirty="0" err="1" smtClean="0">
-                <a:solidFill>
-                  <a:schemeClr val="accent5">
-                    <a:lumMod val="75000"/>
-                  </a:schemeClr>
-                </a:solidFill>
-              </a:rPr>
-              <a:t>AddressBookChangedEvent</a:t>
-            </a:r>
-            <a:r>
-              <a:rPr lang="en-US" sz="1400" dirty="0" smtClean="0">
-                <a:solidFill>
-                  <a:schemeClr val="accent5">
-                    <a:lumMod val="75000"/>
-                  </a:schemeClr>
-                </a:solidFill>
-              </a:rPr>
-              <a:t>)</a:t>
+              <a:t>()</a:t>
             </a:r>
             <a:endParaRPr lang="en-US" sz="1400" dirty="0">
               <a:solidFill>
@@ -4964,46 +4907,6 @@
           </a:p>
         </p:txBody>
       </p:sp>
-      <p:cxnSp>
-        <p:nvCxnSpPr>
-          <p:cNvPr id="63" name="Straight Arrow Connector 62"/>
-          <p:cNvCxnSpPr/>
-          <p:nvPr/>
-        </p:nvCxnSpPr>
-        <p:spPr>
-          <a:xfrm flipH="1">
-            <a:off x="4526729" y="5623071"/>
-            <a:ext cx="3383941" cy="0"/>
-          </a:xfrm>
-          <a:prstGeom prst="straightConnector1">
-            <a:avLst/>
-          </a:prstGeom>
-          <a:ln w="19050">
-            <a:solidFill>
-              <a:schemeClr val="accent6">
-                <a:lumMod val="75000"/>
-              </a:schemeClr>
-            </a:solidFill>
-            <a:prstDash val="sysDash"/>
-            <a:headEnd type="none" w="med" len="med"/>
-            <a:tailEnd type="arrow" w="med" len="med"/>
-          </a:ln>
-        </p:spPr>
-        <p:style>
-          <a:lnRef idx="1">
-            <a:schemeClr val="accent1"/>
-          </a:lnRef>
-          <a:fillRef idx="0">
-            <a:schemeClr val="accent1"/>
-          </a:fillRef>
-          <a:effectRef idx="0">
-            <a:schemeClr val="accent1"/>
-          </a:effectRef>
-          <a:fontRef idx="minor">
-            <a:schemeClr val="tx1"/>
-          </a:fontRef>
-        </p:style>
-      </p:cxnSp>
       <p:sp>
         <p:nvSpPr>
           <p:cNvPr id="66" name="Rectangle 62"/>
@@ -5057,15 +4960,7 @@
                   <a:schemeClr val="bg1"/>
                 </a:solidFill>
               </a:rPr>
-              <a:t>:</a:t>
-            </a:r>
-            <a:r>
-              <a:rPr lang="en-US" sz="1600" dirty="0" err="1" smtClean="0">
-                <a:solidFill>
-                  <a:schemeClr val="bg1"/>
-                </a:solidFill>
-              </a:rPr>
-              <a:t>EventsCenter</a:t>
+              <a:t>:UI</a:t>
             </a:r>
             <a:endParaRPr lang="en-SG" sz="1600" dirty="0">
               <a:solidFill>
@@ -5177,8 +5072,8 @@
         </p:nvCxnSpPr>
         <p:spPr>
           <a:xfrm>
-            <a:off x="3078929" y="5071220"/>
-            <a:ext cx="1295400" cy="0"/>
+            <a:off x="1524000" y="5394102"/>
+            <a:ext cx="2714718" cy="0"/>
           </a:xfrm>
           <a:prstGeom prst="straightConnector1">
             <a:avLst/>
@@ -5213,8 +5108,8 @@
         </p:nvCxnSpPr>
         <p:spPr>
           <a:xfrm>
-            <a:off x="2975642" y="6107977"/>
-            <a:ext cx="1448755" cy="0"/>
+            <a:off x="1739069" y="6100403"/>
+            <a:ext cx="2685328" cy="7574"/>
           </a:xfrm>
           <a:prstGeom prst="straightConnector1">
             <a:avLst/>
@@ -5247,97 +5142,6 @@
       </p:cxnSp>
       <p:cxnSp>
         <p:nvCxnSpPr>
-          <p:cNvPr id="72" name="Straight Arrow Connector 71"/>
-          <p:cNvCxnSpPr/>
-          <p:nvPr/>
-        </p:nvCxnSpPr>
-        <p:spPr>
-          <a:xfrm>
-            <a:off x="4526729" y="5341014"/>
-            <a:ext cx="3318258" cy="0"/>
-          </a:xfrm>
-          <a:prstGeom prst="straightConnector1">
-            <a:avLst/>
-          </a:prstGeom>
-          <a:ln w="19050">
-            <a:solidFill>
-              <a:schemeClr val="accent5">
-                <a:lumMod val="75000"/>
-              </a:schemeClr>
-            </a:solidFill>
-            <a:headEnd type="none" w="med" len="med"/>
-            <a:tailEnd type="arrow" w="med" len="med"/>
-          </a:ln>
-        </p:spPr>
-        <p:style>
-          <a:lnRef idx="1">
-            <a:schemeClr val="accent1"/>
-          </a:lnRef>
-          <a:fillRef idx="0">
-            <a:schemeClr val="accent1"/>
-          </a:fillRef>
-          <a:effectRef idx="0">
-            <a:schemeClr val="accent1"/>
-          </a:effectRef>
-          <a:fontRef idx="minor">
-            <a:schemeClr val="tx1"/>
-          </a:fontRef>
-        </p:style>
-      </p:cxnSp>
-      <p:sp>
-        <p:nvSpPr>
-          <p:cNvPr id="74" name="TextBox 73"/>
-          <p:cNvSpPr txBox="1"/>
-          <p:nvPr/>
-        </p:nvSpPr>
-        <p:spPr>
-          <a:xfrm>
-            <a:off x="5036330" y="5065911"/>
-            <a:ext cx="2659870" cy="215444"/>
-          </a:xfrm>
-          <a:prstGeom prst="rect">
-            <a:avLst/>
-          </a:prstGeom>
-          <a:noFill/>
-        </p:spPr>
-        <p:txBody>
-          <a:bodyPr wrap="square" lIns="0" tIns="0" rIns="0" bIns="0" rtlCol="0">
-            <a:spAutoFit/>
-          </a:bodyPr>
-          <a:lstStyle/>
-          <a:p>
-            <a:r>
-              <a:rPr lang="en-US" sz="1400" dirty="0" err="1" smtClean="0">
-                <a:solidFill>
-                  <a:schemeClr val="accent6">
-                    <a:lumMod val="75000"/>
-                  </a:schemeClr>
-                </a:solidFill>
-              </a:rPr>
-              <a:t>handleAddresssBookChangedEvent</a:t>
-            </a:r>
-            <a:r>
-              <a:rPr lang="en-US" sz="1400" dirty="0" smtClean="0">
-                <a:solidFill>
-                  <a:schemeClr val="accent6">
-                    <a:lumMod val="75000"/>
-                  </a:schemeClr>
-                </a:solidFill>
-              </a:rPr>
-              <a:t>()</a:t>
-            </a:r>
-            <a:endParaRPr lang="en-US" sz="1400" dirty="0">
-              <a:solidFill>
-                <a:schemeClr val="accent6">
-                  <a:lumMod val="75000"/>
-                </a:schemeClr>
-              </a:solidFill>
-            </a:endParaRPr>
-          </a:p>
-        </p:txBody>
-      </p:sp>
-      <p:cxnSp>
-        <p:nvCxnSpPr>
           <p:cNvPr id="85" name="Straight Connector 84"/>
           <p:cNvCxnSpPr/>
           <p:nvPr/>
@@ -5373,276 +5177,6 @@
           </a:fontRef>
         </p:style>
       </p:cxnSp>
-      <p:sp>
-        <p:nvSpPr>
-          <p:cNvPr id="45" name="Rectangle 62"/>
-          <p:cNvSpPr/>
-          <p:nvPr/>
-        </p:nvSpPr>
-        <p:spPr>
-          <a:xfrm>
-            <a:off x="721634" y="4278322"/>
-            <a:ext cx="1093635" cy="346760"/>
-          </a:xfrm>
-          <a:prstGeom prst="rect">
-            <a:avLst/>
-          </a:prstGeom>
-          <a:solidFill>
-            <a:srgbClr val="00B050"/>
-          </a:solidFill>
-          <a:ln w="19050">
-            <a:solidFill>
-              <a:srgbClr val="00B050"/>
-            </a:solidFill>
-          </a:ln>
-          <a:effectLst/>
-        </p:spPr>
-        <p:style>
-          <a:lnRef idx="1">
-            <a:schemeClr val="accent2"/>
-          </a:lnRef>
-          <a:fillRef idx="2">
-            <a:schemeClr val="accent2"/>
-          </a:fillRef>
-          <a:effectRef idx="1">
-            <a:schemeClr val="accent2"/>
-          </a:effectRef>
-          <a:fontRef idx="minor">
-            <a:schemeClr val="dk1"/>
-          </a:fontRef>
-        </p:style>
-        <p:txBody>
-          <a:bodyPr rtlCol="0" anchor="ctr"/>
-          <a:lstStyle/>
-          <a:p>
-            <a:pPr algn="ctr"/>
-            <a:r>
-              <a:rPr lang="en-US" sz="1600" dirty="0" smtClean="0">
-                <a:solidFill>
-                  <a:schemeClr val="bg1"/>
-                </a:solidFill>
-              </a:rPr>
-              <a:t>:UI</a:t>
-            </a:r>
-            <a:endParaRPr lang="en-SG" sz="1600" dirty="0">
-              <a:solidFill>
-                <a:schemeClr val="bg1"/>
-              </a:solidFill>
-            </a:endParaRPr>
-          </a:p>
-        </p:txBody>
-      </p:sp>
-      <p:cxnSp>
-        <p:nvCxnSpPr>
-          <p:cNvPr id="46" name="Straight Connector 45"/>
-          <p:cNvCxnSpPr/>
-          <p:nvPr/>
-        </p:nvCxnSpPr>
-        <p:spPr>
-          <a:xfrm>
-            <a:off x="1268451" y="4641993"/>
-            <a:ext cx="0" cy="1723059"/>
-          </a:xfrm>
-          <a:prstGeom prst="line">
-            <a:avLst/>
-          </a:prstGeom>
-          <a:ln w="19050">
-            <a:solidFill>
-              <a:srgbClr val="00B050"/>
-            </a:solidFill>
-            <a:prstDash val="sysDash"/>
-          </a:ln>
-          <a:effectLst/>
-        </p:spPr>
-        <p:style>
-          <a:lnRef idx="1">
-            <a:schemeClr val="accent1"/>
-          </a:lnRef>
-          <a:fillRef idx="2">
-            <a:schemeClr val="accent1"/>
-          </a:fillRef>
-          <a:effectRef idx="1">
-            <a:schemeClr val="accent1"/>
-          </a:effectRef>
-          <a:fontRef idx="minor">
-            <a:schemeClr val="dk1"/>
-          </a:fontRef>
-        </p:style>
-      </p:cxnSp>
-      <p:sp>
-        <p:nvSpPr>
-          <p:cNvPr id="47" name="Rectangle 46"/>
-          <p:cNvSpPr/>
-          <p:nvPr/>
-        </p:nvSpPr>
-        <p:spPr>
-          <a:xfrm>
-            <a:off x="1196443" y="5670472"/>
-            <a:ext cx="130545" cy="273128"/>
-          </a:xfrm>
-          <a:prstGeom prst="rect">
-            <a:avLst/>
-          </a:prstGeom>
-          <a:solidFill>
-            <a:srgbClr val="00B050"/>
-          </a:solidFill>
-          <a:ln>
-            <a:solidFill>
-              <a:srgbClr val="00B050"/>
-            </a:solidFill>
-          </a:ln>
-          <a:effectLst/>
-        </p:spPr>
-        <p:style>
-          <a:lnRef idx="1">
-            <a:schemeClr val="accent3"/>
-          </a:lnRef>
-          <a:fillRef idx="2">
-            <a:schemeClr val="accent3"/>
-          </a:fillRef>
-          <a:effectRef idx="1">
-            <a:schemeClr val="accent3"/>
-          </a:effectRef>
-          <a:fontRef idx="minor">
-            <a:schemeClr val="dk1"/>
-          </a:fontRef>
-        </p:style>
-        <p:txBody>
-          <a:bodyPr rtlCol="0" anchor="ctr"/>
-          <a:lstStyle/>
-          <a:p>
-            <a:pPr algn="ctr"/>
-            <a:endParaRPr lang="en-SG" sz="1400">
-              <a:solidFill>
-                <a:schemeClr val="dk1"/>
-              </a:solidFill>
-            </a:endParaRPr>
-          </a:p>
-        </p:txBody>
-      </p:sp>
-      <p:cxnSp>
-        <p:nvCxnSpPr>
-          <p:cNvPr id="48" name="Straight Arrow Connector 47"/>
-          <p:cNvCxnSpPr/>
-          <p:nvPr/>
-        </p:nvCxnSpPr>
-        <p:spPr>
-          <a:xfrm flipH="1">
-            <a:off x="1348843" y="5943600"/>
-            <a:ext cx="3061842" cy="0"/>
-          </a:xfrm>
-          <a:prstGeom prst="straightConnector1">
-            <a:avLst/>
-          </a:prstGeom>
-          <a:ln w="19050">
-            <a:solidFill>
-              <a:srgbClr val="00B050"/>
-            </a:solidFill>
-            <a:prstDash val="sysDash"/>
-            <a:headEnd type="arrow" w="med" len="med"/>
-            <a:tailEnd type="none" w="med" len="med"/>
-          </a:ln>
-        </p:spPr>
-        <p:style>
-          <a:lnRef idx="1">
-            <a:schemeClr val="accent1"/>
-          </a:lnRef>
-          <a:fillRef idx="0">
-            <a:schemeClr val="accent1"/>
-          </a:fillRef>
-          <a:effectRef idx="0">
-            <a:schemeClr val="accent1"/>
-          </a:effectRef>
-          <a:fontRef idx="minor">
-            <a:schemeClr val="tx1"/>
-          </a:fontRef>
-        </p:style>
-      </p:cxnSp>
-      <p:cxnSp>
-        <p:nvCxnSpPr>
-          <p:cNvPr id="49" name="Straight Arrow Connector 48"/>
-          <p:cNvCxnSpPr/>
-          <p:nvPr/>
-        </p:nvCxnSpPr>
-        <p:spPr>
-          <a:xfrm>
-            <a:off x="1348843" y="5670472"/>
-            <a:ext cx="3061841" cy="0"/>
-          </a:xfrm>
-          <a:prstGeom prst="straightConnector1">
-            <a:avLst/>
-          </a:prstGeom>
-          <a:ln w="19050">
-            <a:solidFill>
-              <a:schemeClr val="accent5">
-                <a:lumMod val="75000"/>
-              </a:schemeClr>
-            </a:solidFill>
-            <a:headEnd type="arrow" w="med" len="med"/>
-            <a:tailEnd type="none" w="med" len="med"/>
-          </a:ln>
-        </p:spPr>
-        <p:style>
-          <a:lnRef idx="1">
-            <a:schemeClr val="accent1"/>
-          </a:lnRef>
-          <a:fillRef idx="0">
-            <a:schemeClr val="accent1"/>
-          </a:fillRef>
-          <a:effectRef idx="0">
-            <a:schemeClr val="accent1"/>
-          </a:effectRef>
-          <a:fontRef idx="minor">
-            <a:schemeClr val="tx1"/>
-          </a:fontRef>
-        </p:style>
-      </p:cxnSp>
-      <p:sp>
-        <p:nvSpPr>
-          <p:cNvPr id="50" name="TextBox 49"/>
-          <p:cNvSpPr txBox="1"/>
-          <p:nvPr/>
-        </p:nvSpPr>
-        <p:spPr>
-          <a:xfrm>
-            <a:off x="1416276" y="5395369"/>
-            <a:ext cx="2659870" cy="215444"/>
-          </a:xfrm>
-          <a:prstGeom prst="rect">
-            <a:avLst/>
-          </a:prstGeom>
-          <a:noFill/>
-        </p:spPr>
-        <p:txBody>
-          <a:bodyPr wrap="square" lIns="0" tIns="0" rIns="0" bIns="0" rtlCol="0">
-            <a:spAutoFit/>
-          </a:bodyPr>
-          <a:lstStyle/>
-          <a:p>
-            <a:r>
-              <a:rPr lang="en-US" sz="1400" dirty="0" err="1" smtClean="0">
-                <a:solidFill>
-                  <a:srgbClr val="00B050"/>
-                </a:solidFill>
-              </a:rPr>
-              <a:t>handleAddresssBookChangedEvent</a:t>
-            </a:r>
-            <a:r>
-              <a:rPr lang="en-US" sz="1400" dirty="0" smtClean="0">
-                <a:solidFill>
-                  <a:srgbClr val="00B050"/>
-                </a:solidFill>
-              </a:rPr>
-              <a:t>()</a:t>
-            </a:r>
-            <a:endParaRPr lang="en-US" sz="1400" dirty="0">
-              <a:solidFill>
-                <a:srgbClr val="00B050"/>
-              </a:solidFill>
-            </a:endParaRPr>
-          </a:p>
-        </p:txBody>
-      </p:sp>
       <p:grpSp>
         <p:nvGrpSpPr>
           <p:cNvPr id="13" name="Group 12"/>
@@ -5651,7 +5185,7 @@
         </p:nvGrpSpPr>
         <p:grpSpPr>
           <a:xfrm>
-            <a:off x="1028134" y="5612032"/>
+            <a:off x="4553712" y="5941992"/>
             <a:ext cx="217349" cy="270072"/>
             <a:chOff x="1028134" y="5612032"/>
             <a:chExt cx="217349" cy="270072"/>
@@ -5810,8 +5344,8 @@
         </p:nvSpPr>
         <p:spPr>
           <a:xfrm>
-            <a:off x="194562" y="5444571"/>
-            <a:ext cx="794081" cy="430887"/>
+            <a:off x="4526729" y="5120218"/>
+            <a:ext cx="1132426" cy="215444"/>
           </a:xfrm>
           <a:prstGeom prst="rect">
             <a:avLst/>
@@ -5826,12 +5360,12 @@
           <a:p>
             <a:pPr algn="r"/>
             <a:r>
-              <a:rPr lang="en-US" sz="1400" dirty="0" smtClean="0">
+              <a:rPr lang="en-US" sz="1400" dirty="0" err="1" smtClean="0">
                 <a:solidFill>
                   <a:srgbClr val="00B050"/>
                 </a:solidFill>
               </a:rPr>
-              <a:t>Update status bar</a:t>
+              <a:t>MainWindow</a:t>
             </a:r>
             <a:endParaRPr lang="en-US" sz="1400" dirty="0">
               <a:solidFill>
@@ -6013,7 +5547,7 @@
         <p:spPr>
           <a:xfrm>
             <a:off x="8223953" y="5180992"/>
-            <a:ext cx="539047" cy="430887"/>
+            <a:ext cx="539047" cy="646331"/>
           </a:xfrm>
           <a:prstGeom prst="rect">
             <a:avLst/>
@@ -6034,9 +5568,11 @@
                   </a:schemeClr>
                 </a:solidFill>
               </a:rPr>
-              <a:t>Save </a:t>
-            </a:r>
-            <a:br>
+              <a:t>Load</a:t>
+            </a:r>
+          </a:p>
+          <a:p>
+            <a:r>
               <a:rPr lang="en-US" sz="1400" dirty="0" smtClean="0">
                 <a:solidFill>
                   <a:schemeClr val="accent6">
@@ -6044,7 +5580,20 @@
                   </a:schemeClr>
                 </a:solidFill>
               </a:rPr>
-            </a:br>
+              <a:t>New</a:t>
+            </a:r>
+          </a:p>
+          <a:p>
+            <a:r>
+              <a:rPr lang="en-US" sz="1400" dirty="0" err="1" smtClean="0">
+                <a:solidFill>
+                  <a:schemeClr val="accent6">
+                    <a:lumMod val="75000"/>
+                  </a:schemeClr>
+                </a:solidFill>
+              </a:rPr>
+              <a:t>Css</a:t>
+            </a:r>
             <a:r>
               <a:rPr lang="en-US" sz="1400" dirty="0" smtClean="0">
                 <a:solidFill>
@@ -6053,11 +5602,133 @@
                   </a:schemeClr>
                 </a:solidFill>
               </a:rPr>
-              <a:t>to file</a:t>
+              <a:t> file</a:t>
             </a:r>
             <a:endParaRPr lang="en-US" sz="1400" dirty="0">
               <a:solidFill>
                 <a:schemeClr val="accent6">
+                  <a:lumMod val="75000"/>
+                </a:schemeClr>
+              </a:solidFill>
+            </a:endParaRPr>
+          </a:p>
+        </p:txBody>
+      </p:sp>
+      <p:sp>
+        <p:nvSpPr>
+          <p:cNvPr id="22" name="Down Arrow 21"/>
+          <p:cNvSpPr/>
+          <p:nvPr/>
+        </p:nvSpPr>
+        <p:spPr>
+          <a:xfrm>
+            <a:off x="5012195" y="5394102"/>
+            <a:ext cx="245605" cy="228969"/>
+          </a:xfrm>
+          <a:prstGeom prst="downArrow">
+            <a:avLst/>
+          </a:prstGeom>
+        </p:spPr>
+        <p:style>
+          <a:lnRef idx="2">
+            <a:schemeClr val="accent1">
+              <a:shade val="50000"/>
+            </a:schemeClr>
+          </a:lnRef>
+          <a:fillRef idx="1">
+            <a:schemeClr val="accent1"/>
+          </a:fillRef>
+          <a:effectRef idx="0">
+            <a:schemeClr val="accent1"/>
+          </a:effectRef>
+          <a:fontRef idx="minor">
+            <a:schemeClr val="lt1"/>
+          </a:fontRef>
+        </p:style>
+        <p:txBody>
+          <a:bodyPr rtlCol="0" anchor="ctr"/>
+          <a:lstStyle/>
+          <a:p>
+            <a:pPr algn="ctr"/>
+            <a:endParaRPr lang="en-US"/>
+          </a:p>
+        </p:txBody>
+      </p:sp>
+      <p:sp>
+        <p:nvSpPr>
+          <p:cNvPr id="27" name="TextBox 26"/>
+          <p:cNvSpPr txBox="1"/>
+          <p:nvPr/>
+        </p:nvSpPr>
+        <p:spPr>
+          <a:xfrm>
+            <a:off x="4600390" y="5712513"/>
+            <a:ext cx="1334981" cy="276999"/>
+          </a:xfrm>
+          <a:prstGeom prst="rect">
+            <a:avLst/>
+          </a:prstGeom>
+          <a:noFill/>
+        </p:spPr>
+        <p:txBody>
+          <a:bodyPr wrap="none" rtlCol="0">
+            <a:spAutoFit/>
+          </a:bodyPr>
+          <a:lstStyle/>
+          <a:p>
+            <a:r>
+              <a:rPr lang="en-US" sz="1200" dirty="0" smtClean="0"/>
+              <a:t>Load new CSS files</a:t>
+            </a:r>
+            <a:endParaRPr lang="en-US" sz="1200" dirty="0"/>
+          </a:p>
+        </p:txBody>
+      </p:sp>
+      <p:sp>
+        <p:nvSpPr>
+          <p:cNvPr id="65" name="TextBox 64"/>
+          <p:cNvSpPr txBox="1"/>
+          <p:nvPr/>
+        </p:nvSpPr>
+        <p:spPr>
+          <a:xfrm>
+            <a:off x="2630297" y="6149608"/>
+            <a:ext cx="1215629" cy="215444"/>
+          </a:xfrm>
+          <a:prstGeom prst="rect">
+            <a:avLst/>
+          </a:prstGeom>
+          <a:noFill/>
+        </p:spPr>
+        <p:txBody>
+          <a:bodyPr wrap="square" lIns="0" tIns="0" rIns="0" bIns="0" rtlCol="0">
+            <a:spAutoFit/>
+          </a:bodyPr>
+          <a:lstStyle/>
+          <a:p>
+            <a:r>
+              <a:rPr lang="en-US" sz="1400" smtClean="0">
+                <a:solidFill>
+                  <a:schemeClr val="accent5">
+                    <a:lumMod val="75000"/>
+                  </a:schemeClr>
+                </a:solidFill>
+              </a:rPr>
+              <a:t>UpdateTheme</a:t>
+            </a:r>
+            <a:r>
+              <a:rPr lang="en-US" sz="1400" dirty="0" smtClean="0">
+                <a:solidFill>
+                  <a:schemeClr val="accent5">
+                    <a:lumMod val="75000"/>
+                  </a:schemeClr>
+                </a:solidFill>
+              </a:rPr>
+              <a:t>() </a:t>
+            </a:r>
+            <a:endParaRPr lang="en-US" sz="1400" dirty="0">
+              <a:solidFill>
+                <a:schemeClr val="accent5">
                   <a:lumMod val="75000"/>
                 </a:schemeClr>
               </a:solidFill>
